--- a/Meeting 1/Spring 2023 Meeting 1.pptx
+++ b/Meeting 1/Spring 2023 Meeting 1.pptx
@@ -11,6 +11,7 @@
     <p:sldId id="260" r:id="rId5"/>
     <p:sldId id="262" r:id="rId6"/>
     <p:sldId id="263" r:id="rId7"/>
+    <p:sldId id="264" r:id="rId8"/>
   </p:sldIdLst>
   <p:sldSz cx="12192000" cy="6858000"/>
   <p:notesSz cx="6858000" cy="9144000"/>
@@ -3918,6 +3919,307 @@
 </p:sld>
 </file>
 
+<file path=ppt/slides/slide7.xml><?xml version="1.0" encoding="utf-8"?>
+<p:sld xmlns:a="http://schemas.openxmlformats.org/drawingml/2006/main" xmlns:r="http://schemas.openxmlformats.org/officeDocument/2006/relationships" xmlns:p="http://schemas.openxmlformats.org/presentationml/2006/main">
+  <p:cSld>
+    <p:spTree>
+      <p:nvGrpSpPr>
+        <p:cNvPr id="1" name=""/>
+        <p:cNvGrpSpPr/>
+        <p:nvPr/>
+      </p:nvGrpSpPr>
+      <p:grpSpPr>
+        <a:xfrm>
+          <a:off x="0" y="0"/>
+          <a:ext cx="0" cy="0"/>
+          <a:chOff x="0" y="0"/>
+          <a:chExt cx="0" cy="0"/>
+        </a:xfrm>
+      </p:grpSpPr>
+      <p:sp>
+        <p:nvSpPr>
+          <p:cNvPr id="2" name="Title 1">
+            <a:extLst>
+              <a:ext uri="{FF2B5EF4-FFF2-40B4-BE49-F238E27FC236}">
+                <a16:creationId xmlns:a16="http://schemas.microsoft.com/office/drawing/2014/main" id="{F4A2CC5F-6216-762B-B492-EEBBFF025A2D}"/>
+              </a:ext>
+            </a:extLst>
+          </p:cNvPr>
+          <p:cNvSpPr>
+            <a:spLocks noGrp="1"/>
+          </p:cNvSpPr>
+          <p:nvPr>
+            <p:ph type="title"/>
+          </p:nvPr>
+        </p:nvSpPr>
+        <p:spPr>
+          <a:xfrm>
+            <a:off x="793866" y="254923"/>
+            <a:ext cx="10515600" cy="876041"/>
+          </a:xfrm>
+        </p:spPr>
+        <p:txBody>
+          <a:bodyPr/>
+          <a:lstStyle/>
+          <a:p>
+            <a:r>
+              <a:rPr lang="en-US" dirty="0"/>
+              <a:t>Club Communication</a:t>
+            </a:r>
+          </a:p>
+        </p:txBody>
+      </p:sp>
+      <p:sp>
+        <p:nvSpPr>
+          <p:cNvPr id="3" name="Content Placeholder 2">
+            <a:extLst>
+              <a:ext uri="{FF2B5EF4-FFF2-40B4-BE49-F238E27FC236}">
+                <a16:creationId xmlns:a16="http://schemas.microsoft.com/office/drawing/2014/main" id="{72D9EFD2-0F42-AA3A-C020-441E02FC55B0}"/>
+              </a:ext>
+            </a:extLst>
+          </p:cNvPr>
+          <p:cNvSpPr>
+            <a:spLocks noGrp="1"/>
+          </p:cNvSpPr>
+          <p:nvPr>
+            <p:ph idx="1"/>
+          </p:nvPr>
+        </p:nvSpPr>
+        <p:spPr>
+          <a:xfrm>
+            <a:off x="793866" y="1120324"/>
+            <a:ext cx="10515600" cy="4351338"/>
+          </a:xfrm>
+        </p:spPr>
+        <p:txBody>
+          <a:bodyPr/>
+          <a:lstStyle/>
+          <a:p>
+            <a:pPr marL="0" indent="0">
+              <a:buNone/>
+            </a:pPr>
+            <a:r>
+              <a:rPr lang="en-US" dirty="0"/>
+              <a:t>Active Communication:</a:t>
+            </a:r>
+          </a:p>
+          <a:p>
+            <a:pPr marL="0" indent="0">
+              <a:buNone/>
+            </a:pPr>
+            <a:r>
+              <a:rPr lang="en-US" dirty="0"/>
+              <a:t>- Email List: </a:t>
+            </a:r>
+            <a:r>
+              <a:rPr lang="en-US" dirty="0">
+                <a:hlinkClick r:id="rId2"/>
+              </a:rPr>
+              <a:t>Coding Club Roster 2022-2023.xlsx</a:t>
+            </a:r>
+            <a:endParaRPr lang="en-US" dirty="0"/>
+          </a:p>
+          <a:p>
+            <a:pPr marL="0" indent="0">
+              <a:buNone/>
+            </a:pPr>
+            <a:r>
+              <a:rPr lang="en-US" dirty="0"/>
+              <a:t>Hangout/Direct Messaging (No regular club info sent):</a:t>
+            </a:r>
+          </a:p>
+          <a:p>
+            <a:pPr marL="0" indent="0">
+              <a:buNone/>
+            </a:pPr>
+            <a:r>
+              <a:rPr lang="en-US" dirty="0"/>
+              <a:t>- Discord: https://discord.gg/KpaEqEpV</a:t>
+            </a:r>
+          </a:p>
+          <a:p>
+            <a:pPr marL="0" indent="0">
+              <a:buNone/>
+            </a:pPr>
+            <a:r>
+              <a:rPr lang="en-US"/>
+              <a:t>- Band</a:t>
+            </a:r>
+            <a:r>
+              <a:rPr lang="en-US" dirty="0"/>
+              <a:t>: </a:t>
+            </a:r>
+            <a:r>
+              <a:rPr lang="en-US" b="0" i="0" dirty="0">
+                <a:solidFill>
+                  <a:srgbClr val="000000"/>
+                </a:solidFill>
+                <a:effectLst/>
+                <a:latin typeface="Segoe UI" panose="020B0502040204020203" pitchFamily="34" charset="0"/>
+              </a:rPr>
+              <a:t>https://band.us/n/adaa7budn7g2N</a:t>
+            </a:r>
+            <a:endParaRPr lang="en-US" dirty="0"/>
+          </a:p>
+        </p:txBody>
+      </p:sp>
+      <p:pic>
+        <p:nvPicPr>
+          <p:cNvPr id="5" name="Picture 4" descr="Qr code&#10;&#10;Description automatically generated">
+            <a:extLst>
+              <a:ext uri="{FF2B5EF4-FFF2-40B4-BE49-F238E27FC236}">
+                <a16:creationId xmlns:a16="http://schemas.microsoft.com/office/drawing/2014/main" id="{8CB8C566-3C34-36D4-5471-54B7FDE8A019}"/>
+              </a:ext>
+            </a:extLst>
+          </p:cNvPr>
+          <p:cNvPicPr>
+            <a:picLocks noChangeAspect="1"/>
+          </p:cNvPicPr>
+          <p:nvPr/>
+        </p:nvPicPr>
+        <p:blipFill>
+          <a:blip r:embed="rId3">
+            <a:extLst>
+              <a:ext uri="{28A0092B-C50C-407E-A947-70E740481C1C}">
+                <a14:useLocalDpi xmlns:a14="http://schemas.microsoft.com/office/drawing/2010/main" val="0"/>
+              </a:ext>
+            </a:extLst>
+          </a:blip>
+          <a:stretch>
+            <a:fillRect/>
+          </a:stretch>
+        </p:blipFill>
+        <p:spPr>
+          <a:xfrm>
+            <a:off x="3400951" y="3768434"/>
+            <a:ext cx="2310665" cy="2939936"/>
+          </a:xfrm>
+          <a:prstGeom prst="rect">
+            <a:avLst/>
+          </a:prstGeom>
+        </p:spPr>
+      </p:pic>
+      <p:pic>
+        <p:nvPicPr>
+          <p:cNvPr id="7" name="Picture 6" descr="Qr code&#10;&#10;Description automatically generated">
+            <a:extLst>
+              <a:ext uri="{FF2B5EF4-FFF2-40B4-BE49-F238E27FC236}">
+                <a16:creationId xmlns:a16="http://schemas.microsoft.com/office/drawing/2014/main" id="{483891E8-2710-1752-5C83-806666A47924}"/>
+              </a:ext>
+            </a:extLst>
+          </p:cNvPr>
+          <p:cNvPicPr>
+            <a:picLocks noChangeAspect="1"/>
+          </p:cNvPicPr>
+          <p:nvPr/>
+        </p:nvPicPr>
+        <p:blipFill>
+          <a:blip r:embed="rId4">
+            <a:extLst>
+              <a:ext uri="{28A0092B-C50C-407E-A947-70E740481C1C}">
+                <a14:useLocalDpi xmlns:a14="http://schemas.microsoft.com/office/drawing/2010/main" val="0"/>
+              </a:ext>
+            </a:extLst>
+          </a:blip>
+          <a:stretch>
+            <a:fillRect/>
+          </a:stretch>
+        </p:blipFill>
+        <p:spPr>
+          <a:xfrm>
+            <a:off x="6271612" y="3768434"/>
+            <a:ext cx="2310665" cy="2939936"/>
+          </a:xfrm>
+          <a:prstGeom prst="rect">
+            <a:avLst/>
+          </a:prstGeom>
+        </p:spPr>
+      </p:pic>
+      <p:pic>
+        <p:nvPicPr>
+          <p:cNvPr id="9" name="Picture 8" descr="Qr code&#10;&#10;Description automatically generated">
+            <a:extLst>
+              <a:ext uri="{FF2B5EF4-FFF2-40B4-BE49-F238E27FC236}">
+                <a16:creationId xmlns:a16="http://schemas.microsoft.com/office/drawing/2014/main" id="{977D43BC-F134-BFAC-0A2E-0B757E430713}"/>
+              </a:ext>
+            </a:extLst>
+          </p:cNvPr>
+          <p:cNvPicPr>
+            <a:picLocks noChangeAspect="1"/>
+          </p:cNvPicPr>
+          <p:nvPr/>
+        </p:nvPicPr>
+        <p:blipFill>
+          <a:blip r:embed="rId5">
+            <a:extLst>
+              <a:ext uri="{28A0092B-C50C-407E-A947-70E740481C1C}">
+                <a14:useLocalDpi xmlns:a14="http://schemas.microsoft.com/office/drawing/2010/main" val="0"/>
+              </a:ext>
+            </a:extLst>
+          </a:blip>
+          <a:stretch>
+            <a:fillRect/>
+          </a:stretch>
+        </p:blipFill>
+        <p:spPr>
+          <a:xfrm>
+            <a:off x="9206957" y="3768434"/>
+            <a:ext cx="2310665" cy="2939936"/>
+          </a:xfrm>
+          <a:prstGeom prst="rect">
+            <a:avLst/>
+          </a:prstGeom>
+        </p:spPr>
+      </p:pic>
+      <p:pic>
+        <p:nvPicPr>
+          <p:cNvPr id="11" name="Picture 10" descr="Qr code&#10;&#10;Description automatically generated">
+            <a:extLst>
+              <a:ext uri="{FF2B5EF4-FFF2-40B4-BE49-F238E27FC236}">
+                <a16:creationId xmlns:a16="http://schemas.microsoft.com/office/drawing/2014/main" id="{A53352C2-C0AE-F911-0EF1-2A26D0E89E0E}"/>
+              </a:ext>
+            </a:extLst>
+          </p:cNvPr>
+          <p:cNvPicPr>
+            <a:picLocks noChangeAspect="1"/>
+          </p:cNvPicPr>
+          <p:nvPr/>
+        </p:nvPicPr>
+        <p:blipFill>
+          <a:blip r:embed="rId6">
+            <a:extLst>
+              <a:ext uri="{28A0092B-C50C-407E-A947-70E740481C1C}">
+                <a14:useLocalDpi xmlns:a14="http://schemas.microsoft.com/office/drawing/2010/main" val="0"/>
+              </a:ext>
+            </a:extLst>
+          </a:blip>
+          <a:stretch>
+            <a:fillRect/>
+          </a:stretch>
+        </p:blipFill>
+        <p:spPr>
+          <a:xfrm>
+            <a:off x="674378" y="3768435"/>
+            <a:ext cx="2310664" cy="2939935"/>
+          </a:xfrm>
+          <a:prstGeom prst="rect">
+            <a:avLst/>
+          </a:prstGeom>
+        </p:spPr>
+      </p:pic>
+    </p:spTree>
+    <p:extLst>
+      <p:ext uri="{BB962C8B-B14F-4D97-AF65-F5344CB8AC3E}">
+        <p14:creationId xmlns:p14="http://schemas.microsoft.com/office/powerpoint/2010/main" val="1450778801"/>
+      </p:ext>
+    </p:extLst>
+  </p:cSld>
+  <p:clrMapOvr>
+    <a:masterClrMapping/>
+  </p:clrMapOvr>
+</p:sld>
+</file>
+
 <file path=ppt/theme/theme1.xml><?xml version="1.0" encoding="utf-8"?>
 <a:theme xmlns:a="http://schemas.openxmlformats.org/drawingml/2006/main" name="Office Theme">
   <a:themeElements>
